--- a/lecture-materials/Security/Security-waf-shield/firewallManager.pptx
+++ b/lecture-materials/Security/Security-waf-shield/firewallManager.pptx
@@ -108,6 +108,11 @@
       </a:defRPr>
     </a:lvl9pPr>
   </p:defaultTextStyle>
+  <p:extLst>
+    <p:ext uri="{EFAFB233-063F-42B5-8137-9DF3F51BA10A}">
+      <p15:sldGuideLst xmlns:p15="http://schemas.microsoft.com/office/powerpoint/2012/main"/>
+    </p:ext>
+  </p:extLst>
 </p:presentation>
 </file>
 
@@ -193,7 +198,7 @@
           <a:p>
             <a:fld id="{2F5107F3-0A9C-B44E-93D7-A65B65BEDD39}" type="datetimeFigureOut">
               <a:rPr lang="en-CH" smtClean="0"/>
-              <a:t>30.08.23</a:t>
+              <a:t>03.09.23</a:t>
             </a:fld>
             <a:endParaRPr lang="en-CH"/>
           </a:p>
@@ -818,7 +823,7 @@
           <a:p>
             <a:fld id="{010F7DE3-0EF4-7444-A49C-CCD53FD1A751}" type="datetimeFigureOut">
               <a:rPr lang="en-CH" smtClean="0"/>
-              <a:t>30.08.23</a:t>
+              <a:t>03.09.23</a:t>
             </a:fld>
             <a:endParaRPr lang="en-CH"/>
           </a:p>
@@ -1018,7 +1023,7 @@
           <a:p>
             <a:fld id="{010F7DE3-0EF4-7444-A49C-CCD53FD1A751}" type="datetimeFigureOut">
               <a:rPr lang="en-CH" smtClean="0"/>
-              <a:t>30.08.23</a:t>
+              <a:t>03.09.23</a:t>
             </a:fld>
             <a:endParaRPr lang="en-CH"/>
           </a:p>
@@ -1228,7 +1233,7 @@
           <a:p>
             <a:fld id="{010F7DE3-0EF4-7444-A49C-CCD53FD1A751}" type="datetimeFigureOut">
               <a:rPr lang="en-CH" smtClean="0"/>
-              <a:t>30.08.23</a:t>
+              <a:t>03.09.23</a:t>
             </a:fld>
             <a:endParaRPr lang="en-CH"/>
           </a:p>
@@ -1428,7 +1433,7 @@
           <a:p>
             <a:fld id="{010F7DE3-0EF4-7444-A49C-CCD53FD1A751}" type="datetimeFigureOut">
               <a:rPr lang="en-CH" smtClean="0"/>
-              <a:t>30.08.23</a:t>
+              <a:t>03.09.23</a:t>
             </a:fld>
             <a:endParaRPr lang="en-CH"/>
           </a:p>
@@ -1704,7 +1709,7 @@
           <a:p>
             <a:fld id="{010F7DE3-0EF4-7444-A49C-CCD53FD1A751}" type="datetimeFigureOut">
               <a:rPr lang="en-CH" smtClean="0"/>
-              <a:t>30.08.23</a:t>
+              <a:t>03.09.23</a:t>
             </a:fld>
             <a:endParaRPr lang="en-CH"/>
           </a:p>
@@ -1972,7 +1977,7 @@
           <a:p>
             <a:fld id="{010F7DE3-0EF4-7444-A49C-CCD53FD1A751}" type="datetimeFigureOut">
               <a:rPr lang="en-CH" smtClean="0"/>
-              <a:t>30.08.23</a:t>
+              <a:t>03.09.23</a:t>
             </a:fld>
             <a:endParaRPr lang="en-CH"/>
           </a:p>
@@ -2387,7 +2392,7 @@
           <a:p>
             <a:fld id="{010F7DE3-0EF4-7444-A49C-CCD53FD1A751}" type="datetimeFigureOut">
               <a:rPr lang="en-CH" smtClean="0"/>
-              <a:t>30.08.23</a:t>
+              <a:t>03.09.23</a:t>
             </a:fld>
             <a:endParaRPr lang="en-CH"/>
           </a:p>
@@ -2529,7 +2534,7 @@
           <a:p>
             <a:fld id="{010F7DE3-0EF4-7444-A49C-CCD53FD1A751}" type="datetimeFigureOut">
               <a:rPr lang="en-CH" smtClean="0"/>
-              <a:t>30.08.23</a:t>
+              <a:t>03.09.23</a:t>
             </a:fld>
             <a:endParaRPr lang="en-CH"/>
           </a:p>
@@ -2642,7 +2647,7 @@
           <a:p>
             <a:fld id="{010F7DE3-0EF4-7444-A49C-CCD53FD1A751}" type="datetimeFigureOut">
               <a:rPr lang="en-CH" smtClean="0"/>
-              <a:t>30.08.23</a:t>
+              <a:t>03.09.23</a:t>
             </a:fld>
             <a:endParaRPr lang="en-CH"/>
           </a:p>
@@ -2955,7 +2960,7 @@
           <a:p>
             <a:fld id="{010F7DE3-0EF4-7444-A49C-CCD53FD1A751}" type="datetimeFigureOut">
               <a:rPr lang="en-CH" smtClean="0"/>
-              <a:t>30.08.23</a:t>
+              <a:t>03.09.23</a:t>
             </a:fld>
             <a:endParaRPr lang="en-CH"/>
           </a:p>
@@ -3244,7 +3249,7 @@
           <a:p>
             <a:fld id="{010F7DE3-0EF4-7444-A49C-CCD53FD1A751}" type="datetimeFigureOut">
               <a:rPr lang="en-CH" smtClean="0"/>
-              <a:t>30.08.23</a:t>
+              <a:t>03.09.23</a:t>
             </a:fld>
             <a:endParaRPr lang="en-CH"/>
           </a:p>
@@ -3487,7 +3492,7 @@
           <a:p>
             <a:fld id="{010F7DE3-0EF4-7444-A49C-CCD53FD1A751}" type="datetimeFigureOut">
               <a:rPr lang="en-CH" smtClean="0"/>
-              <a:t>30.08.23</a:t>
+              <a:t>03.09.23</a:t>
             </a:fld>
             <a:endParaRPr lang="en-CH"/>
           </a:p>
@@ -3890,6 +3895,14 @@
 <file path=ppt/slides/slide1.xml><?xml version="1.0" encoding="utf-8"?>
 <p:sld xmlns:a="http://schemas.openxmlformats.org/drawingml/2006/main" xmlns:r="http://schemas.openxmlformats.org/officeDocument/2006/relationships" xmlns:p="http://schemas.openxmlformats.org/presentationml/2006/main">
   <p:cSld>
+    <p:bg>
+      <p:bgPr>
+        <a:solidFill>
+          <a:schemeClr val="bg1"/>
+        </a:solidFill>
+        <a:effectLst/>
+      </p:bgPr>
+    </p:bg>
     <p:spTree>
       <p:nvGrpSpPr>
         <p:cNvPr id="1" name="Shape 324"/>
@@ -3904,6 +3917,82 @@
           <a:chExt cx="0" cy="0"/>
         </a:xfrm>
       </p:grpSpPr>
+      <p:sp useBgFill="1">
+        <p:nvSpPr>
+          <p:cNvPr id="332" name="Rectangle 331">
+            <a:extLst>
+              <a:ext uri="{FF2B5EF4-FFF2-40B4-BE49-F238E27FC236}">
+                <a16:creationId xmlns:a16="http://schemas.microsoft.com/office/drawing/2014/main" id="{3346177D-ADC4-4968-B747-5CFCD390B5B9}"/>
+              </a:ext>
+              <a:ext uri="{C183D7F6-B498-43B3-948B-1728B52AA6E4}">
+                <adec:decorative xmlns:adec="http://schemas.microsoft.com/office/drawing/2017/decorative" val="1"/>
+              </a:ext>
+            </a:extLst>
+          </p:cNvPr>
+          <p:cNvSpPr>
+            <a:spLocks noGrp="1" noRot="1" noChangeAspect="1" noMove="1" noResize="1" noEditPoints="1" noAdjustHandles="1" noChangeArrowheads="1" noChangeShapeType="1" noTextEdit="1"/>
+          </p:cNvSpPr>
+          <p:nvPr>
+            <p:extLst>
+              <p:ext uri="{386F3935-93C4-4BCD-93E2-E3B085C9AB24}">
+                <p16:designElem xmlns:p16="http://schemas.microsoft.com/office/powerpoint/2015/main" val="1"/>
+              </p:ext>
+            </p:extLst>
+          </p:nvPr>
+        </p:nvSpPr>
+        <p:spPr>
+          <a:xfrm>
+            <a:off x="0" y="0"/>
+            <a:ext cx="12192000" cy="6858000"/>
+          </a:xfrm>
+          <a:prstGeom prst="rect">
+            <a:avLst/>
+          </a:prstGeom>
+          <a:ln w="12700" cap="flat" cmpd="sng" algn="ctr">
+            <a:noFill/>
+            <a:prstDash val="solid"/>
+            <a:miter lim="800000"/>
+          </a:ln>
+          <a:effectLst/>
+          <a:extLst>
+            <a:ext uri="{91240B29-F687-4F45-9708-019B960494DF}">
+              <a14:hiddenLine xmlns:a14="http://schemas.microsoft.com/office/drawing/2010/main" w="12700" cap="flat" cmpd="sng" algn="ctr">
+                <a:solidFill>
+                  <a:schemeClr val="accent1">
+                    <a:shade val="50000"/>
+                  </a:schemeClr>
+                </a:solidFill>
+                <a:prstDash val="solid"/>
+                <a:miter lim="800000"/>
+              </a14:hiddenLine>
+            </a:ext>
+          </a:extLst>
+        </p:spPr>
+        <p:style>
+          <a:lnRef idx="2">
+            <a:schemeClr val="accent1">
+              <a:shade val="50000"/>
+            </a:schemeClr>
+          </a:lnRef>
+          <a:fillRef idx="1">
+            <a:schemeClr val="accent1"/>
+          </a:fillRef>
+          <a:effectRef idx="0">
+            <a:schemeClr val="accent1"/>
+          </a:effectRef>
+          <a:fontRef idx="minor">
+            <a:schemeClr val="lt1"/>
+          </a:fontRef>
+        </p:style>
+        <p:txBody>
+          <a:bodyPr rtlCol="0" anchor="ctr"/>
+          <a:lstStyle/>
+          <a:p>
+            <a:pPr algn="ctr"/>
+            <a:endParaRPr lang="en-US"/>
+          </a:p>
+        </p:txBody>
+      </p:sp>
       <p:sp>
         <p:nvSpPr>
           <p:cNvPr id="325" name="Google Shape;325;p60"/>
@@ -3916,93 +4005,30 @@
         </p:nvSpPr>
         <p:spPr>
           <a:xfrm>
-            <a:off x="838200" y="365131"/>
-            <a:ext cx="10515600" cy="848800"/>
+            <a:off x="6016802" y="420857"/>
+            <a:ext cx="5754896" cy="1667569"/>
           </a:xfrm>
           <a:prstGeom prst="rect">
             <a:avLst/>
           </a:prstGeom>
         </p:spPr>
         <p:txBody>
-          <a:bodyPr spcFirstLastPara="1" vert="horz" wrap="square" lIns="91433" tIns="45700" rIns="91433" bIns="45700" rtlCol="0" anchor="ctr" anchorCtr="0">
+          <a:bodyPr spcFirstLastPara="1" vert="horz" lIns="91440" tIns="45720" rIns="91440" bIns="45720" rtlCol="0" anchor="b" anchorCtr="0">
             <a:normAutofit/>
           </a:bodyPr>
           <a:lstStyle/>
           <a:p>
-            <a:pPr>
-              <a:spcBef>
-                <a:spcPts val="0"/>
-              </a:spcBef>
-            </a:pPr>
-            <a:r>
-              <a:rPr lang="en" sz="2400"/>
-              <a:t>AWS Firewall Manager</a:t>
-            </a:r>
-            <a:endParaRPr sz="2400"/>
-          </a:p>
-        </p:txBody>
-      </p:sp>
-      <p:sp>
-        <p:nvSpPr>
-          <p:cNvPr id="326" name="Google Shape;326;p60"/>
-          <p:cNvSpPr txBox="1">
-            <a:spLocks noGrp="1"/>
-          </p:cNvSpPr>
-          <p:nvPr>
-            <p:ph type="body" idx="1"/>
-          </p:nvPr>
-        </p:nvSpPr>
-        <p:spPr>
-          <a:xfrm>
-            <a:off x="283167" y="1391867"/>
-            <a:ext cx="11070800" cy="5246400"/>
-          </a:xfrm>
-          <a:prstGeom prst="rect">
-            <a:avLst/>
-          </a:prstGeom>
-        </p:spPr>
-        <p:txBody>
-          <a:bodyPr spcFirstLastPara="1" vert="horz" wrap="square" lIns="91433" tIns="45700" rIns="91433" bIns="45700" rtlCol="0" anchor="t" anchorCtr="0">
-            <a:normAutofit/>
-          </a:bodyPr>
-          <a:lstStyle/>
-          <a:p>
-            <a:pPr marL="0" indent="0">
-              <a:lnSpc>
-                <a:spcPct val="100000"/>
-              </a:lnSpc>
-              <a:spcBef>
-                <a:spcPts val="1067"/>
-              </a:spcBef>
-              <a:spcAft>
-                <a:spcPts val="1600"/>
-              </a:spcAft>
-              <a:buNone/>
-            </a:pPr>
-            <a:r>
-              <a:rPr lang="en" sz="1467" b="1">
-                <a:latin typeface="Arial"/>
-                <a:ea typeface="Arial"/>
-                <a:cs typeface="Arial"/>
-                <a:sym typeface="Arial"/>
+            <a:r>
+              <a:rPr lang="en-US" sz="4000" kern="1200" dirty="0">
+                <a:solidFill>
+                  <a:schemeClr val="tx1"/>
+                </a:solidFill>
+                <a:latin typeface="+mj-lt"/>
+                <a:ea typeface="+mj-ea"/>
+                <a:cs typeface="+mj-cs"/>
               </a:rPr>
               <a:t>AWS Firewall Manager</a:t>
             </a:r>
-            <a:r>
-              <a:rPr lang="en" sz="1467">
-                <a:latin typeface="Arial"/>
-                <a:ea typeface="Arial"/>
-                <a:cs typeface="Arial"/>
-                <a:sym typeface="Arial"/>
-              </a:rPr>
-              <a:t> simplifies your administration and maintenance tasks across multiple accounts and resources for a variety of protections, including AWS WAF, AWS Shield Advanced, Amazon VPC security groups, AWS Network Firewall, and Amazon Route 53 Resolver DNS Firewall. </a:t>
-            </a:r>
-            <a:endParaRPr sz="1467">
-              <a:latin typeface="Arial"/>
-              <a:ea typeface="Arial"/>
-              <a:cs typeface="Arial"/>
-              <a:sym typeface="Arial"/>
-            </a:endParaRPr>
           </a:p>
         </p:txBody>
       </p:sp>
@@ -4013,27 +4039,216 @@
           <p:nvPr/>
         </p:nvPicPr>
         <p:blipFill>
-          <a:blip r:embed="rId3">
-            <a:alphaModFix/>
-          </a:blip>
+          <a:blip r:embed="rId3"/>
           <a:stretch>
             <a:fillRect/>
           </a:stretch>
         </p:blipFill>
         <p:spPr>
           <a:xfrm>
-            <a:off x="3738001" y="2036501"/>
-            <a:ext cx="7144900" cy="4740633"/>
+            <a:off x="333632" y="1075038"/>
+            <a:ext cx="5683170" cy="4695567"/>
           </a:xfrm>
           <a:prstGeom prst="rect">
             <a:avLst/>
           </a:prstGeom>
           <a:noFill/>
+        </p:spPr>
+      </p:pic>
+      <p:sp>
+        <p:nvSpPr>
+          <p:cNvPr id="326" name="Google Shape;326;p60"/>
+          <p:cNvSpPr txBox="1">
+            <a:spLocks noGrp="1"/>
+          </p:cNvSpPr>
+          <p:nvPr>
+            <p:ph type="body" idx="1"/>
+          </p:nvPr>
+        </p:nvSpPr>
+        <p:spPr>
+          <a:xfrm>
+            <a:off x="6103472" y="2509283"/>
+            <a:ext cx="5754896" cy="3197464"/>
+          </a:xfrm>
+          <a:prstGeom prst="rect">
+            <a:avLst/>
+          </a:prstGeom>
+        </p:spPr>
+        <p:txBody>
+          <a:bodyPr spcFirstLastPara="1" vert="horz" lIns="91440" tIns="45720" rIns="91440" bIns="45720" rtlCol="0" anchor="t" anchorCtr="0">
+            <a:normAutofit/>
+          </a:bodyPr>
+          <a:lstStyle/>
+          <a:p>
+            <a:pPr marL="0">
+              <a:spcBef>
+                <a:spcPts val="1067"/>
+              </a:spcBef>
+              <a:spcAft>
+                <a:spcPts val="1600"/>
+              </a:spcAft>
+            </a:pPr>
+            <a:r>
+              <a:rPr lang="en-US" sz="2000" b="1" dirty="0">
+                <a:sym typeface="Arial"/>
+              </a:rPr>
+              <a:t>AWS Firewall Manager</a:t>
+            </a:r>
+            <a:r>
+              <a:rPr lang="en-US" sz="2000" dirty="0">
+                <a:sym typeface="Arial"/>
+              </a:rPr>
+              <a:t> simplifies your administration and maintenance tasks across multiple accounts and resources for a variety of protections, including AWS WAF, AWS Shield Advanced, Amazon VPC security groups, AWS Network Firewall, and Amazon Route 53 Resolver DNS Firewall. </a:t>
+            </a:r>
+          </a:p>
+        </p:txBody>
+      </p:sp>
+      <p:sp>
+        <p:nvSpPr>
+          <p:cNvPr id="334" name="Rectangle 333">
+            <a:extLst>
+              <a:ext uri="{FF2B5EF4-FFF2-40B4-BE49-F238E27FC236}">
+                <a16:creationId xmlns:a16="http://schemas.microsoft.com/office/drawing/2014/main" id="{0844A943-BF79-4FEA-ABB1-3BD54D236606}"/>
+              </a:ext>
+              <a:ext uri="{C183D7F6-B498-43B3-948B-1728B52AA6E4}">
+                <adec:decorative xmlns:adec="http://schemas.microsoft.com/office/drawing/2017/decorative" val="1"/>
+              </a:ext>
+            </a:extLst>
+          </p:cNvPr>
+          <p:cNvSpPr>
+            <a:spLocks noGrp="1" noRot="1" noChangeAspect="1" noMove="1" noResize="1" noEditPoints="1" noAdjustHandles="1" noChangeArrowheads="1" noChangeShapeType="1" noTextEdit="1"/>
+          </p:cNvSpPr>
+          <p:nvPr>
+            <p:extLst>
+              <p:ext uri="{386F3935-93C4-4BCD-93E2-E3B085C9AB24}">
+                <p16:designElem xmlns:p16="http://schemas.microsoft.com/office/powerpoint/2015/main" val="1"/>
+              </p:ext>
+            </p:extLst>
+          </p:nvPr>
+        </p:nvSpPr>
+        <p:spPr>
+          <a:xfrm rot="10800000" flipH="1">
+            <a:off x="0" y="6400799"/>
+            <a:ext cx="12192000" cy="456773"/>
+          </a:xfrm>
+          <a:prstGeom prst="rect">
+            <a:avLst/>
+          </a:prstGeom>
+          <a:gradFill>
+            <a:gsLst>
+              <a:gs pos="0">
+                <a:schemeClr val="accent1"/>
+              </a:gs>
+              <a:gs pos="90000">
+                <a:srgbClr val="000000"/>
+              </a:gs>
+            </a:gsLst>
+            <a:lin ang="2400000" scaled="0"/>
+          </a:gradFill>
           <a:ln>
             <a:noFill/>
           </a:ln>
         </p:spPr>
-      </p:pic>
+        <p:style>
+          <a:lnRef idx="2">
+            <a:schemeClr val="accent1">
+              <a:shade val="50000"/>
+            </a:schemeClr>
+          </a:lnRef>
+          <a:fillRef idx="1">
+            <a:schemeClr val="accent1"/>
+          </a:fillRef>
+          <a:effectRef idx="0">
+            <a:schemeClr val="accent1"/>
+          </a:effectRef>
+          <a:fontRef idx="minor">
+            <a:schemeClr val="lt1"/>
+          </a:fontRef>
+        </p:style>
+        <p:txBody>
+          <a:bodyPr rtlCol="0" anchor="ctr"/>
+          <a:lstStyle/>
+          <a:p>
+            <a:pPr algn="ctr"/>
+            <a:endParaRPr lang="en-US"/>
+          </a:p>
+        </p:txBody>
+      </p:sp>
+      <p:sp>
+        <p:nvSpPr>
+          <p:cNvPr id="336" name="Rectangle 335">
+            <a:extLst>
+              <a:ext uri="{FF2B5EF4-FFF2-40B4-BE49-F238E27FC236}">
+                <a16:creationId xmlns:a16="http://schemas.microsoft.com/office/drawing/2014/main" id="{6437CC72-F4A8-4DC3-AFAB-D22C482C8100}"/>
+              </a:ext>
+              <a:ext uri="{C183D7F6-B498-43B3-948B-1728B52AA6E4}">
+                <adec:decorative xmlns:adec="http://schemas.microsoft.com/office/drawing/2017/decorative" val="1"/>
+              </a:ext>
+            </a:extLst>
+          </p:cNvPr>
+          <p:cNvSpPr>
+            <a:spLocks noGrp="1" noRot="1" noChangeAspect="1" noMove="1" noResize="1" noEditPoints="1" noAdjustHandles="1" noChangeArrowheads="1" noChangeShapeType="1" noTextEdit="1"/>
+          </p:cNvSpPr>
+          <p:nvPr>
+            <p:extLst>
+              <p:ext uri="{386F3935-93C4-4BCD-93E2-E3B085C9AB24}">
+                <p16:designElem xmlns:p16="http://schemas.microsoft.com/office/powerpoint/2015/main" val="1"/>
+              </p:ext>
+            </p:extLst>
+          </p:nvPr>
+        </p:nvSpPr>
+        <p:spPr>
+          <a:xfrm flipH="1">
+            <a:off x="4038600" y="6400799"/>
+            <a:ext cx="8153398" cy="456772"/>
+          </a:xfrm>
+          <a:prstGeom prst="rect">
+            <a:avLst/>
+          </a:prstGeom>
+          <a:gradFill>
+            <a:gsLst>
+              <a:gs pos="0">
+                <a:srgbClr val="000000">
+                  <a:alpha val="50000"/>
+                </a:srgbClr>
+              </a:gs>
+              <a:gs pos="100000">
+                <a:schemeClr val="accent1">
+                  <a:lumMod val="75000"/>
+                </a:schemeClr>
+              </a:gs>
+            </a:gsLst>
+            <a:lin ang="13800000" scaled="0"/>
+          </a:gradFill>
+          <a:ln>
+            <a:noFill/>
+          </a:ln>
+        </p:spPr>
+        <p:style>
+          <a:lnRef idx="2">
+            <a:schemeClr val="accent1">
+              <a:shade val="50000"/>
+            </a:schemeClr>
+          </a:lnRef>
+          <a:fillRef idx="1">
+            <a:schemeClr val="accent1"/>
+          </a:fillRef>
+          <a:effectRef idx="0">
+            <a:schemeClr val="accent1"/>
+          </a:effectRef>
+          <a:fontRef idx="minor">
+            <a:schemeClr val="lt1"/>
+          </a:fontRef>
+        </p:style>
+        <p:txBody>
+          <a:bodyPr rtlCol="0" anchor="ctr"/>
+          <a:lstStyle/>
+          <a:p>
+            <a:pPr algn="ctr"/>
+            <a:endParaRPr lang="en-US"/>
+          </a:p>
+        </p:txBody>
+      </p:sp>
     </p:spTree>
   </p:cSld>
   <p:clrMapOvr>
